--- a/MagBuy Presentation.pptx
+++ b/MagBuy Presentation.pptx
@@ -317,6 +317,11 @@
       </a:defRPr>
     </a:lvl9pPr>
   </p:defaultTextStyle>
+  <p:extLst>
+    <p:ext uri="{EFAFB233-063F-42B5-8137-9DF3F51BA10A}">
+      <p15:sldGuideLst xmlns:p15="http://schemas.microsoft.com/office/powerpoint/2012/main"/>
+    </p:ext>
+  </p:extLst>
 </p:presentation>
 </file>
 
@@ -2304,7 +2309,7 @@
           </a:ln>
           <a:extLst>
             <a:ext uri="{C572A759-6A51-4108-AA02-DFA0A04FC94B}">
-              <ma14:wrappingTextBoxFlag xmlns:ma14="http://schemas.microsoft.com/office/mac/drawingml/2011/main" xmlns="" val="1"/>
+              <ma14:wrappingTextBoxFlag xmlns="" xmlns:ma14="http://schemas.microsoft.com/office/mac/drawingml/2011/main" val="1"/>
             </a:ext>
           </a:extLst>
         </p:spPr>
@@ -2343,7 +2348,7 @@
           </a:ln>
           <a:extLst>
             <a:ext uri="{C572A759-6A51-4108-AA02-DFA0A04FC94B}">
-              <ma14:wrappingTextBoxFlag xmlns:ma14="http://schemas.microsoft.com/office/mac/drawingml/2011/main" xmlns="" val="1"/>
+              <ma14:wrappingTextBoxFlag xmlns="" xmlns:ma14="http://schemas.microsoft.com/office/mac/drawingml/2011/main" val="1"/>
             </a:ext>
           </a:extLst>
         </p:spPr>
@@ -3291,7 +3296,7 @@
           </a:ln>
           <a:extLst>
             <a:ext uri="{C572A759-6A51-4108-AA02-DFA0A04FC94B}">
-              <ma14:wrappingTextBoxFlag xmlns:ma14="http://schemas.microsoft.com/office/mac/drawingml/2011/main" xmlns="" val="1"/>
+              <ma14:wrappingTextBoxFlag xmlns="" xmlns:ma14="http://schemas.microsoft.com/office/mac/drawingml/2011/main" val="1"/>
             </a:ext>
           </a:extLst>
         </p:spPr>
@@ -3409,7 +3414,7 @@
             <a:effectLst/>
             <a:extLst>
               <a:ext uri="{C572A759-6A51-4108-AA02-DFA0A04FC94B}">
-                <ma14:wrappingTextBoxFlag xmlns:ma14="http://schemas.microsoft.com/office/mac/drawingml/2011/main" xmlns="" val="1"/>
+                <ma14:wrappingTextBoxFlag xmlns="" xmlns:ma14="http://schemas.microsoft.com/office/mac/drawingml/2011/main" val="1"/>
               </a:ext>
             </a:extLst>
           </p:spPr>
@@ -3682,6 +3687,14 @@
               <a:rPr dirty="0"/>
               <a:t>, Petrov &amp; Co</a:t>
             </a:r>
+            <a:endParaRPr lang="en-US" dirty="0"/>
+          </a:p>
+          <a:p>
+            <a:r>
+              <a:rPr lang="en-US" dirty="0"/>
+              <a:t>Hobbies: guitars, karaoke,  camping etc.</a:t>
+            </a:r>
+            <a:endParaRPr dirty="0"/>
           </a:p>
           <a:p>
             <a:pPr>
@@ -3691,10 +3704,7 @@
                 </a:solidFill>
               </a:defRPr>
             </a:pPr>
-            <a:r>
-              <a:rPr dirty="0"/>
-              <a:t>IT TALENTS …</a:t>
-            </a:r>
+            <a:endParaRPr dirty="0"/>
           </a:p>
         </p:txBody>
       </p:sp>
@@ -3803,7 +3813,7 @@
             <a:effectLst/>
             <a:extLst>
               <a:ext uri="{C572A759-6A51-4108-AA02-DFA0A04FC94B}">
-                <ma14:wrappingTextBoxFlag xmlns:ma14="http://schemas.microsoft.com/office/mac/drawingml/2011/main" xmlns="" val="1"/>
+                <ma14:wrappingTextBoxFlag xmlns="" xmlns:ma14="http://schemas.microsoft.com/office/mac/drawingml/2011/main" val="1"/>
               </a:ext>
             </a:extLst>
           </p:spPr>
@@ -3848,7 +3858,7 @@
           </a:ln>
           <a:extLst>
             <a:ext uri="{C572A759-6A51-4108-AA02-DFA0A04FC94B}">
-              <ma14:wrappingTextBoxFlag xmlns:ma14="http://schemas.microsoft.com/office/mac/drawingml/2011/main" xmlns="" val="1"/>
+              <ma14:wrappingTextBoxFlag xmlns="" xmlns:ma14="http://schemas.microsoft.com/office/mac/drawingml/2011/main" val="1"/>
             </a:ext>
           </a:extLst>
         </p:spPr>
@@ -4202,7 +4212,7 @@
             <a:effectLst/>
             <a:extLst>
               <a:ext uri="{C572A759-6A51-4108-AA02-DFA0A04FC94B}">
-                <ma14:wrappingTextBoxFlag xmlns:ma14="http://schemas.microsoft.com/office/mac/drawingml/2011/main" xmlns="" val="1"/>
+                <ma14:wrappingTextBoxFlag xmlns="" xmlns:ma14="http://schemas.microsoft.com/office/mac/drawingml/2011/main" val="1"/>
               </a:ext>
             </a:extLst>
           </p:spPr>
@@ -4247,7 +4257,7 @@
           </a:ln>
           <a:extLst>
             <a:ext uri="{C572A759-6A51-4108-AA02-DFA0A04FC94B}">
-              <ma14:wrappingTextBoxFlag xmlns:ma14="http://schemas.microsoft.com/office/mac/drawingml/2011/main" xmlns="" val="1"/>
+              <ma14:wrappingTextBoxFlag xmlns="" xmlns:ma14="http://schemas.microsoft.com/office/mac/drawingml/2011/main" val="1"/>
             </a:ext>
           </a:extLst>
         </p:spPr>
@@ -4387,7 +4397,7 @@
           </a:ln>
           <a:extLst>
             <a:ext uri="{C572A759-6A51-4108-AA02-DFA0A04FC94B}">
-              <ma14:wrappingTextBoxFlag xmlns:ma14="http://schemas.microsoft.com/office/mac/drawingml/2011/main" xmlns="" val="1"/>
+              <ma14:wrappingTextBoxFlag xmlns="" xmlns:ma14="http://schemas.microsoft.com/office/mac/drawingml/2011/main" val="1"/>
             </a:ext>
           </a:extLst>
         </p:spPr>
@@ -4540,7 +4550,7 @@
             <a:effectLst/>
             <a:extLst>
               <a:ext uri="{C572A759-6A51-4108-AA02-DFA0A04FC94B}">
-                <ma14:wrappingTextBoxFlag xmlns:ma14="http://schemas.microsoft.com/office/mac/drawingml/2011/main" xmlns="" val="1"/>
+                <ma14:wrappingTextBoxFlag xmlns="" xmlns:ma14="http://schemas.microsoft.com/office/mac/drawingml/2011/main" val="1"/>
               </a:ext>
             </a:extLst>
           </p:spPr>
@@ -4713,7 +4723,7 @@
           </a:ln>
           <a:extLst>
             <a:ext uri="{C572A759-6A51-4108-AA02-DFA0A04FC94B}">
-              <ma14:wrappingTextBoxFlag xmlns:ma14="http://schemas.microsoft.com/office/mac/drawingml/2011/main" xmlns="" val="1"/>
+              <ma14:wrappingTextBoxFlag xmlns="" xmlns:ma14="http://schemas.microsoft.com/office/mac/drawingml/2011/main" val="1"/>
             </a:ext>
           </a:extLst>
         </p:spPr>
@@ -4866,7 +4876,7 @@
             <a:effectLst/>
             <a:extLst>
               <a:ext uri="{C572A759-6A51-4108-AA02-DFA0A04FC94B}">
-                <ma14:wrappingTextBoxFlag xmlns:ma14="http://schemas.microsoft.com/office/mac/drawingml/2011/main" xmlns="" val="1"/>
+                <ma14:wrappingTextBoxFlag xmlns="" xmlns:ma14="http://schemas.microsoft.com/office/mac/drawingml/2011/main" val="1"/>
               </a:ext>
             </a:extLst>
           </p:spPr>
@@ -4957,36 +4967,43 @@
               <a:buNone/>
             </a:pPr>
             <a:r>
+              <a:rPr dirty="0"/>
               <a:t>Design patterns</a:t>
             </a:r>
           </a:p>
           <a:p>
             <a:r>
+              <a:rPr dirty="0"/>
               <a:t>Front and Back-end division</a:t>
             </a:r>
           </a:p>
           <a:p>
             <a:r>
+              <a:rPr dirty="0"/>
               <a:t>Model View Controller (MVC)</a:t>
             </a:r>
           </a:p>
           <a:p>
             <a:r>
+              <a:rPr dirty="0"/>
               <a:t>Data Access Objects (DAO)</a:t>
             </a:r>
           </a:p>
           <a:p>
             <a:r>
-              <a:t>PHP Data Objects, Play Note PHP Object, constructors, classes</a:t>
-            </a:r>
-          </a:p>
-          <a:p>
-            <a:r>
+              <a:rPr lang="en-US" dirty="0"/>
+              <a:t>Object Oriented Programming (OOP)</a:t>
+            </a:r>
+          </a:p>
+          <a:p>
+            <a:r>
+              <a:rPr dirty="0"/>
               <a:t>Folders categorized by namespaces</a:t>
             </a:r>
           </a:p>
           <a:p>
             <a:r>
+              <a:rPr dirty="0"/>
               <a:t>Singletons, autoloader</a:t>
             </a:r>
           </a:p>
@@ -5011,7 +5028,7 @@
           </a:ln>
           <a:extLst>
             <a:ext uri="{C572A759-6A51-4108-AA02-DFA0A04FC94B}">
-              <ma14:wrappingTextBoxFlag xmlns:ma14="http://schemas.microsoft.com/office/mac/drawingml/2011/main" xmlns="" val="1"/>
+              <ma14:wrappingTextBoxFlag xmlns="" xmlns:ma14="http://schemas.microsoft.com/office/mac/drawingml/2011/main" val="1"/>
             </a:ext>
           </a:extLst>
         </p:spPr>
@@ -5164,7 +5181,7 @@
             <a:effectLst/>
             <a:extLst>
               <a:ext uri="{C572A759-6A51-4108-AA02-DFA0A04FC94B}">
-                <ma14:wrappingTextBoxFlag xmlns:ma14="http://schemas.microsoft.com/office/mac/drawingml/2011/main" xmlns="" val="1"/>
+                <ma14:wrappingTextBoxFlag xmlns="" xmlns:ma14="http://schemas.microsoft.com/office/mac/drawingml/2011/main" val="1"/>
               </a:ext>
             </a:extLst>
           </p:spPr>
@@ -5318,7 +5335,7 @@
           </a:ln>
           <a:extLst>
             <a:ext uri="{C572A759-6A51-4108-AA02-DFA0A04FC94B}">
-              <ma14:wrappingTextBoxFlag xmlns:ma14="http://schemas.microsoft.com/office/mac/drawingml/2011/main" xmlns="" val="1"/>
+              <ma14:wrappingTextBoxFlag xmlns="" xmlns:ma14="http://schemas.microsoft.com/office/mac/drawingml/2011/main" val="1"/>
             </a:ext>
           </a:extLst>
         </p:spPr>
@@ -5462,7 +5479,7 @@
             <a:effectLst/>
             <a:extLst>
               <a:ext uri="{C572A759-6A51-4108-AA02-DFA0A04FC94B}">
-                <ma14:wrappingTextBoxFlag xmlns:ma14="http://schemas.microsoft.com/office/mac/drawingml/2011/main" xmlns="" val="1"/>
+                <ma14:wrappingTextBoxFlag xmlns="" xmlns:ma14="http://schemas.microsoft.com/office/mac/drawingml/2011/main" val="1"/>
               </a:ext>
             </a:extLst>
           </p:spPr>
@@ -5507,7 +5524,7 @@
           </a:ln>
           <a:extLst>
             <a:ext uri="{C572A759-6A51-4108-AA02-DFA0A04FC94B}">
-              <ma14:wrappingTextBoxFlag xmlns:ma14="http://schemas.microsoft.com/office/mac/drawingml/2011/main" xmlns="" val="1"/>
+              <ma14:wrappingTextBoxFlag xmlns="" xmlns:ma14="http://schemas.microsoft.com/office/mac/drawingml/2011/main" val="1"/>
             </a:ext>
           </a:extLst>
         </p:spPr>

--- a/MagBuy Presentation.pptx
+++ b/MagBuy Presentation.pptx
@@ -2309,7 +2309,7 @@
           </a:ln>
           <a:extLst>
             <a:ext uri="{C572A759-6A51-4108-AA02-DFA0A04FC94B}">
-              <ma14:wrappingTextBoxFlag xmlns="" xmlns:ma14="http://schemas.microsoft.com/office/mac/drawingml/2011/main" val="1"/>
+              <ma14:wrappingTextBoxFlag xmlns:ma14="http://schemas.microsoft.com/office/mac/drawingml/2011/main" xmlns="" val="1"/>
             </a:ext>
           </a:extLst>
         </p:spPr>
@@ -2348,7 +2348,7 @@
           </a:ln>
           <a:extLst>
             <a:ext uri="{C572A759-6A51-4108-AA02-DFA0A04FC94B}">
-              <ma14:wrappingTextBoxFlag xmlns="" xmlns:ma14="http://schemas.microsoft.com/office/mac/drawingml/2011/main" val="1"/>
+              <ma14:wrappingTextBoxFlag xmlns:ma14="http://schemas.microsoft.com/office/mac/drawingml/2011/main" xmlns="" val="1"/>
             </a:ext>
           </a:extLst>
         </p:spPr>
@@ -3296,7 +3296,7 @@
           </a:ln>
           <a:extLst>
             <a:ext uri="{C572A759-6A51-4108-AA02-DFA0A04FC94B}">
-              <ma14:wrappingTextBoxFlag xmlns="" xmlns:ma14="http://schemas.microsoft.com/office/mac/drawingml/2011/main" val="1"/>
+              <ma14:wrappingTextBoxFlag xmlns:ma14="http://schemas.microsoft.com/office/mac/drawingml/2011/main" xmlns="" val="1"/>
             </a:ext>
           </a:extLst>
         </p:spPr>
@@ -3414,7 +3414,7 @@
             <a:effectLst/>
             <a:extLst>
               <a:ext uri="{C572A759-6A51-4108-AA02-DFA0A04FC94B}">
-                <ma14:wrappingTextBoxFlag xmlns="" xmlns:ma14="http://schemas.microsoft.com/office/mac/drawingml/2011/main" val="1"/>
+                <ma14:wrappingTextBoxFlag xmlns:ma14="http://schemas.microsoft.com/office/mac/drawingml/2011/main" xmlns="" val="1"/>
               </a:ext>
             </a:extLst>
           </p:spPr>
@@ -3613,16 +3613,37 @@
           <a:p>
             <a:r>
               <a:rPr dirty="0"/>
-              <a:t>Graduated Vasil </a:t>
-            </a:r>
-            <a:r>
-              <a:rPr dirty="0" err="1"/>
+              <a:t>Graduated </a:t>
+            </a:r>
+            <a:r>
+              <a:rPr lang="en-US" dirty="0"/>
+              <a:t>English </a:t>
+            </a:r>
+            <a:r>
+              <a:rPr dirty="0"/>
+              <a:t>High School</a:t>
+            </a:r>
+            <a:r>
+              <a:rPr lang="bg-BG" dirty="0"/>
+              <a:t> “</a:t>
+            </a:r>
+            <a:r>
+              <a:rPr lang="en-US" dirty="0"/>
+              <a:t>Vasil </a:t>
+            </a:r>
+            <a:r>
+              <a:rPr lang="en-US" dirty="0" err="1"/>
               <a:t>Levski</a:t>
             </a:r>
             <a:r>
-              <a:rPr dirty="0"/>
-              <a:t> High School</a:t>
-            </a:r>
+              <a:rPr lang="en-US" dirty="0"/>
+              <a:t> </a:t>
+            </a:r>
+            <a:r>
+              <a:rPr lang="bg-BG" dirty="0"/>
+              <a:t>“</a:t>
+            </a:r>
+            <a:endParaRPr dirty="0"/>
           </a:p>
           <a:p>
             <a:r>
@@ -3813,7 +3834,7 @@
             <a:effectLst/>
             <a:extLst>
               <a:ext uri="{C572A759-6A51-4108-AA02-DFA0A04FC94B}">
-                <ma14:wrappingTextBoxFlag xmlns="" xmlns:ma14="http://schemas.microsoft.com/office/mac/drawingml/2011/main" val="1"/>
+                <ma14:wrappingTextBoxFlag xmlns:ma14="http://schemas.microsoft.com/office/mac/drawingml/2011/main" xmlns="" val="1"/>
               </a:ext>
             </a:extLst>
           </p:spPr>
@@ -3858,7 +3879,7 @@
           </a:ln>
           <a:extLst>
             <a:ext uri="{C572A759-6A51-4108-AA02-DFA0A04FC94B}">
-              <ma14:wrappingTextBoxFlag xmlns="" xmlns:ma14="http://schemas.microsoft.com/office/mac/drawingml/2011/main" val="1"/>
+              <ma14:wrappingTextBoxFlag xmlns:ma14="http://schemas.microsoft.com/office/mac/drawingml/2011/main" xmlns="" val="1"/>
             </a:ext>
           </a:extLst>
         </p:spPr>
@@ -4212,7 +4233,7 @@
             <a:effectLst/>
             <a:extLst>
               <a:ext uri="{C572A759-6A51-4108-AA02-DFA0A04FC94B}">
-                <ma14:wrappingTextBoxFlag xmlns="" xmlns:ma14="http://schemas.microsoft.com/office/mac/drawingml/2011/main" val="1"/>
+                <ma14:wrappingTextBoxFlag xmlns:ma14="http://schemas.microsoft.com/office/mac/drawingml/2011/main" xmlns="" val="1"/>
               </a:ext>
             </a:extLst>
           </p:spPr>
@@ -4257,7 +4278,7 @@
           </a:ln>
           <a:extLst>
             <a:ext uri="{C572A759-6A51-4108-AA02-DFA0A04FC94B}">
-              <ma14:wrappingTextBoxFlag xmlns="" xmlns:ma14="http://schemas.microsoft.com/office/mac/drawingml/2011/main" val="1"/>
+              <ma14:wrappingTextBoxFlag xmlns:ma14="http://schemas.microsoft.com/office/mac/drawingml/2011/main" xmlns="" val="1"/>
             </a:ext>
           </a:extLst>
         </p:spPr>
@@ -4397,7 +4418,7 @@
           </a:ln>
           <a:extLst>
             <a:ext uri="{C572A759-6A51-4108-AA02-DFA0A04FC94B}">
-              <ma14:wrappingTextBoxFlag xmlns="" xmlns:ma14="http://schemas.microsoft.com/office/mac/drawingml/2011/main" val="1"/>
+              <ma14:wrappingTextBoxFlag xmlns:ma14="http://schemas.microsoft.com/office/mac/drawingml/2011/main" xmlns="" val="1"/>
             </a:ext>
           </a:extLst>
         </p:spPr>
@@ -4550,7 +4571,7 @@
             <a:effectLst/>
             <a:extLst>
               <a:ext uri="{C572A759-6A51-4108-AA02-DFA0A04FC94B}">
-                <ma14:wrappingTextBoxFlag xmlns="" xmlns:ma14="http://schemas.microsoft.com/office/mac/drawingml/2011/main" val="1"/>
+                <ma14:wrappingTextBoxFlag xmlns:ma14="http://schemas.microsoft.com/office/mac/drawingml/2011/main" xmlns="" val="1"/>
               </a:ext>
             </a:extLst>
           </p:spPr>
@@ -4723,7 +4744,7 @@
           </a:ln>
           <a:extLst>
             <a:ext uri="{C572A759-6A51-4108-AA02-DFA0A04FC94B}">
-              <ma14:wrappingTextBoxFlag xmlns="" xmlns:ma14="http://schemas.microsoft.com/office/mac/drawingml/2011/main" val="1"/>
+              <ma14:wrappingTextBoxFlag xmlns:ma14="http://schemas.microsoft.com/office/mac/drawingml/2011/main" xmlns="" val="1"/>
             </a:ext>
           </a:extLst>
         </p:spPr>
@@ -4876,7 +4897,7 @@
             <a:effectLst/>
             <a:extLst>
               <a:ext uri="{C572A759-6A51-4108-AA02-DFA0A04FC94B}">
-                <ma14:wrappingTextBoxFlag xmlns="" xmlns:ma14="http://schemas.microsoft.com/office/mac/drawingml/2011/main" val="1"/>
+                <ma14:wrappingTextBoxFlag xmlns:ma14="http://schemas.microsoft.com/office/mac/drawingml/2011/main" xmlns="" val="1"/>
               </a:ext>
             </a:extLst>
           </p:spPr>
@@ -5028,7 +5049,7 @@
           </a:ln>
           <a:extLst>
             <a:ext uri="{C572A759-6A51-4108-AA02-DFA0A04FC94B}">
-              <ma14:wrappingTextBoxFlag xmlns="" xmlns:ma14="http://schemas.microsoft.com/office/mac/drawingml/2011/main" val="1"/>
+              <ma14:wrappingTextBoxFlag xmlns:ma14="http://schemas.microsoft.com/office/mac/drawingml/2011/main" xmlns="" val="1"/>
             </a:ext>
           </a:extLst>
         </p:spPr>
@@ -5181,7 +5202,7 @@
             <a:effectLst/>
             <a:extLst>
               <a:ext uri="{C572A759-6A51-4108-AA02-DFA0A04FC94B}">
-                <ma14:wrappingTextBoxFlag xmlns="" xmlns:ma14="http://schemas.microsoft.com/office/mac/drawingml/2011/main" val="1"/>
+                <ma14:wrappingTextBoxFlag xmlns:ma14="http://schemas.microsoft.com/office/mac/drawingml/2011/main" xmlns="" val="1"/>
               </a:ext>
             </a:extLst>
           </p:spPr>
@@ -5335,7 +5356,7 @@
           </a:ln>
           <a:extLst>
             <a:ext uri="{C572A759-6A51-4108-AA02-DFA0A04FC94B}">
-              <ma14:wrappingTextBoxFlag xmlns="" xmlns:ma14="http://schemas.microsoft.com/office/mac/drawingml/2011/main" val="1"/>
+              <ma14:wrappingTextBoxFlag xmlns:ma14="http://schemas.microsoft.com/office/mac/drawingml/2011/main" xmlns="" val="1"/>
             </a:ext>
           </a:extLst>
         </p:spPr>
@@ -5479,7 +5500,7 @@
             <a:effectLst/>
             <a:extLst>
               <a:ext uri="{C572A759-6A51-4108-AA02-DFA0A04FC94B}">
-                <ma14:wrappingTextBoxFlag xmlns="" xmlns:ma14="http://schemas.microsoft.com/office/mac/drawingml/2011/main" val="1"/>
+                <ma14:wrappingTextBoxFlag xmlns:ma14="http://schemas.microsoft.com/office/mac/drawingml/2011/main" xmlns="" val="1"/>
               </a:ext>
             </a:extLst>
           </p:spPr>
@@ -5524,7 +5545,7 @@
           </a:ln>
           <a:extLst>
             <a:ext uri="{C572A759-6A51-4108-AA02-DFA0A04FC94B}">
-              <ma14:wrappingTextBoxFlag xmlns="" xmlns:ma14="http://schemas.microsoft.com/office/mac/drawingml/2011/main" val="1"/>
+              <ma14:wrappingTextBoxFlag xmlns:ma14="http://schemas.microsoft.com/office/mac/drawingml/2011/main" xmlns="" val="1"/>
             </a:ext>
           </a:extLst>
         </p:spPr>

--- a/MagBuy Presentation.pptx
+++ b/MagBuy Presentation.pptx
@@ -2309,7 +2309,7 @@
           </a:ln>
           <a:extLst>
             <a:ext uri="{C572A759-6A51-4108-AA02-DFA0A04FC94B}">
-              <ma14:wrappingTextBoxFlag xmlns:ma14="http://schemas.microsoft.com/office/mac/drawingml/2011/main" xmlns="" val="1"/>
+              <ma14:wrappingTextBoxFlag xmlns="" xmlns:ma14="http://schemas.microsoft.com/office/mac/drawingml/2011/main" val="1"/>
             </a:ext>
           </a:extLst>
         </p:spPr>
@@ -2348,7 +2348,7 @@
           </a:ln>
           <a:extLst>
             <a:ext uri="{C572A759-6A51-4108-AA02-DFA0A04FC94B}">
-              <ma14:wrappingTextBoxFlag xmlns:ma14="http://schemas.microsoft.com/office/mac/drawingml/2011/main" xmlns="" val="1"/>
+              <ma14:wrappingTextBoxFlag xmlns="" xmlns:ma14="http://schemas.microsoft.com/office/mac/drawingml/2011/main" val="1"/>
             </a:ext>
           </a:extLst>
         </p:spPr>
@@ -3296,7 +3296,7 @@
           </a:ln>
           <a:extLst>
             <a:ext uri="{C572A759-6A51-4108-AA02-DFA0A04FC94B}">
-              <ma14:wrappingTextBoxFlag xmlns:ma14="http://schemas.microsoft.com/office/mac/drawingml/2011/main" xmlns="" val="1"/>
+              <ma14:wrappingTextBoxFlag xmlns="" xmlns:ma14="http://schemas.microsoft.com/office/mac/drawingml/2011/main" val="1"/>
             </a:ext>
           </a:extLst>
         </p:spPr>
@@ -3414,7 +3414,7 @@
             <a:effectLst/>
             <a:extLst>
               <a:ext uri="{C572A759-6A51-4108-AA02-DFA0A04FC94B}">
-                <ma14:wrappingTextBoxFlag xmlns:ma14="http://schemas.microsoft.com/office/mac/drawingml/2011/main" xmlns="" val="1"/>
+                <ma14:wrappingTextBoxFlag xmlns="" xmlns:ma14="http://schemas.microsoft.com/office/mac/drawingml/2011/main" val="1"/>
               </a:ext>
             </a:extLst>
           </p:spPr>
@@ -3834,7 +3834,7 @@
             <a:effectLst/>
             <a:extLst>
               <a:ext uri="{C572A759-6A51-4108-AA02-DFA0A04FC94B}">
-                <ma14:wrappingTextBoxFlag xmlns:ma14="http://schemas.microsoft.com/office/mac/drawingml/2011/main" xmlns="" val="1"/>
+                <ma14:wrappingTextBoxFlag xmlns="" xmlns:ma14="http://schemas.microsoft.com/office/mac/drawingml/2011/main" val="1"/>
               </a:ext>
             </a:extLst>
           </p:spPr>
@@ -3879,7 +3879,7 @@
           </a:ln>
           <a:extLst>
             <a:ext uri="{C572A759-6A51-4108-AA02-DFA0A04FC94B}">
-              <ma14:wrappingTextBoxFlag xmlns:ma14="http://schemas.microsoft.com/office/mac/drawingml/2011/main" xmlns="" val="1"/>
+              <ma14:wrappingTextBoxFlag xmlns="" xmlns:ma14="http://schemas.microsoft.com/office/mac/drawingml/2011/main" val="1"/>
             </a:ext>
           </a:extLst>
         </p:spPr>
@@ -4233,7 +4233,7 @@
             <a:effectLst/>
             <a:extLst>
               <a:ext uri="{C572A759-6A51-4108-AA02-DFA0A04FC94B}">
-                <ma14:wrappingTextBoxFlag xmlns:ma14="http://schemas.microsoft.com/office/mac/drawingml/2011/main" xmlns="" val="1"/>
+                <ma14:wrappingTextBoxFlag xmlns="" xmlns:ma14="http://schemas.microsoft.com/office/mac/drawingml/2011/main" val="1"/>
               </a:ext>
             </a:extLst>
           </p:spPr>
@@ -4278,7 +4278,7 @@
           </a:ln>
           <a:extLst>
             <a:ext uri="{C572A759-6A51-4108-AA02-DFA0A04FC94B}">
-              <ma14:wrappingTextBoxFlag xmlns:ma14="http://schemas.microsoft.com/office/mac/drawingml/2011/main" xmlns="" val="1"/>
+              <ma14:wrappingTextBoxFlag xmlns="" xmlns:ma14="http://schemas.microsoft.com/office/mac/drawingml/2011/main" val="1"/>
             </a:ext>
           </a:extLst>
         </p:spPr>
@@ -4418,7 +4418,7 @@
           </a:ln>
           <a:extLst>
             <a:ext uri="{C572A759-6A51-4108-AA02-DFA0A04FC94B}">
-              <ma14:wrappingTextBoxFlag xmlns:ma14="http://schemas.microsoft.com/office/mac/drawingml/2011/main" xmlns="" val="1"/>
+              <ma14:wrappingTextBoxFlag xmlns="" xmlns:ma14="http://schemas.microsoft.com/office/mac/drawingml/2011/main" val="1"/>
             </a:ext>
           </a:extLst>
         </p:spPr>
@@ -4571,7 +4571,7 @@
             <a:effectLst/>
             <a:extLst>
               <a:ext uri="{C572A759-6A51-4108-AA02-DFA0A04FC94B}">
-                <ma14:wrappingTextBoxFlag xmlns:ma14="http://schemas.microsoft.com/office/mac/drawingml/2011/main" xmlns="" val="1"/>
+                <ma14:wrappingTextBoxFlag xmlns="" xmlns:ma14="http://schemas.microsoft.com/office/mac/drawingml/2011/main" val="1"/>
               </a:ext>
             </a:extLst>
           </p:spPr>
@@ -4673,6 +4673,14 @@
               <a:rPr dirty="0"/>
               <a:t>Front-end by HTML, CSS and JS</a:t>
             </a:r>
+            <a:endParaRPr lang="en-US" dirty="0"/>
+          </a:p>
+          <a:p>
+            <a:r>
+              <a:rPr lang="en-US" dirty="0"/>
+              <a:t>VCS - Git</a:t>
+            </a:r>
+            <a:endParaRPr dirty="0"/>
           </a:p>
           <a:p>
             <a:r>
@@ -4744,7 +4752,7 @@
           </a:ln>
           <a:extLst>
             <a:ext uri="{C572A759-6A51-4108-AA02-DFA0A04FC94B}">
-              <ma14:wrappingTextBoxFlag xmlns:ma14="http://schemas.microsoft.com/office/mac/drawingml/2011/main" xmlns="" val="1"/>
+              <ma14:wrappingTextBoxFlag xmlns="" xmlns:ma14="http://schemas.microsoft.com/office/mac/drawingml/2011/main" val="1"/>
             </a:ext>
           </a:extLst>
         </p:spPr>
@@ -4897,7 +4905,7 @@
             <a:effectLst/>
             <a:extLst>
               <a:ext uri="{C572A759-6A51-4108-AA02-DFA0A04FC94B}">
-                <ma14:wrappingTextBoxFlag xmlns:ma14="http://schemas.microsoft.com/office/mac/drawingml/2011/main" xmlns="" val="1"/>
+                <ma14:wrappingTextBoxFlag xmlns="" xmlns:ma14="http://schemas.microsoft.com/office/mac/drawingml/2011/main" val="1"/>
               </a:ext>
             </a:extLst>
           </p:spPr>
@@ -5049,7 +5057,7 @@
           </a:ln>
           <a:extLst>
             <a:ext uri="{C572A759-6A51-4108-AA02-DFA0A04FC94B}">
-              <ma14:wrappingTextBoxFlag xmlns:ma14="http://schemas.microsoft.com/office/mac/drawingml/2011/main" xmlns="" val="1"/>
+              <ma14:wrappingTextBoxFlag xmlns="" xmlns:ma14="http://schemas.microsoft.com/office/mac/drawingml/2011/main" val="1"/>
             </a:ext>
           </a:extLst>
         </p:spPr>
@@ -5202,7 +5210,7 @@
             <a:effectLst/>
             <a:extLst>
               <a:ext uri="{C572A759-6A51-4108-AA02-DFA0A04FC94B}">
-                <ma14:wrappingTextBoxFlag xmlns:ma14="http://schemas.microsoft.com/office/mac/drawingml/2011/main" xmlns="" val="1"/>
+                <ma14:wrappingTextBoxFlag xmlns="" xmlns:ma14="http://schemas.microsoft.com/office/mac/drawingml/2011/main" val="1"/>
               </a:ext>
             </a:extLst>
           </p:spPr>
@@ -5356,7 +5364,7 @@
           </a:ln>
           <a:extLst>
             <a:ext uri="{C572A759-6A51-4108-AA02-DFA0A04FC94B}">
-              <ma14:wrappingTextBoxFlag xmlns:ma14="http://schemas.microsoft.com/office/mac/drawingml/2011/main" xmlns="" val="1"/>
+              <ma14:wrappingTextBoxFlag xmlns="" xmlns:ma14="http://schemas.microsoft.com/office/mac/drawingml/2011/main" val="1"/>
             </a:ext>
           </a:extLst>
         </p:spPr>
@@ -5500,7 +5508,7 @@
             <a:effectLst/>
             <a:extLst>
               <a:ext uri="{C572A759-6A51-4108-AA02-DFA0A04FC94B}">
-                <ma14:wrappingTextBoxFlag xmlns:ma14="http://schemas.microsoft.com/office/mac/drawingml/2011/main" xmlns="" val="1"/>
+                <ma14:wrappingTextBoxFlag xmlns="" xmlns:ma14="http://schemas.microsoft.com/office/mac/drawingml/2011/main" val="1"/>
               </a:ext>
             </a:extLst>
           </p:spPr>
@@ -5545,7 +5553,7 @@
           </a:ln>
           <a:extLst>
             <a:ext uri="{C572A759-6A51-4108-AA02-DFA0A04FC94B}">
-              <ma14:wrappingTextBoxFlag xmlns:ma14="http://schemas.microsoft.com/office/mac/drawingml/2011/main" xmlns="" val="1"/>
+              <ma14:wrappingTextBoxFlag xmlns="" xmlns:ma14="http://schemas.microsoft.com/office/mac/drawingml/2011/main" val="1"/>
             </a:ext>
           </a:extLst>
         </p:spPr>

--- a/MagBuy Presentation.pptx
+++ b/MagBuy Presentation.pptx
@@ -2309,7 +2309,7 @@
           </a:ln>
           <a:extLst>
             <a:ext uri="{C572A759-6A51-4108-AA02-DFA0A04FC94B}">
-              <ma14:wrappingTextBoxFlag xmlns="" xmlns:ma14="http://schemas.microsoft.com/office/mac/drawingml/2011/main" val="1"/>
+              <ma14:wrappingTextBoxFlag xmlns:ma14="http://schemas.microsoft.com/office/mac/drawingml/2011/main" xmlns="" val="1"/>
             </a:ext>
           </a:extLst>
         </p:spPr>
@@ -2348,7 +2348,7 @@
           </a:ln>
           <a:extLst>
             <a:ext uri="{C572A759-6A51-4108-AA02-DFA0A04FC94B}">
-              <ma14:wrappingTextBoxFlag xmlns="" xmlns:ma14="http://schemas.microsoft.com/office/mac/drawingml/2011/main" val="1"/>
+              <ma14:wrappingTextBoxFlag xmlns:ma14="http://schemas.microsoft.com/office/mac/drawingml/2011/main" xmlns="" val="1"/>
             </a:ext>
           </a:extLst>
         </p:spPr>
@@ -3296,7 +3296,7 @@
           </a:ln>
           <a:extLst>
             <a:ext uri="{C572A759-6A51-4108-AA02-DFA0A04FC94B}">
-              <ma14:wrappingTextBoxFlag xmlns="" xmlns:ma14="http://schemas.microsoft.com/office/mac/drawingml/2011/main" val="1"/>
+              <ma14:wrappingTextBoxFlag xmlns:ma14="http://schemas.microsoft.com/office/mac/drawingml/2011/main" xmlns="" val="1"/>
             </a:ext>
           </a:extLst>
         </p:spPr>
@@ -3414,7 +3414,7 @@
             <a:effectLst/>
             <a:extLst>
               <a:ext uri="{C572A759-6A51-4108-AA02-DFA0A04FC94B}">
-                <ma14:wrappingTextBoxFlag xmlns="" xmlns:ma14="http://schemas.microsoft.com/office/mac/drawingml/2011/main" val="1"/>
+                <ma14:wrappingTextBoxFlag xmlns:ma14="http://schemas.microsoft.com/office/mac/drawingml/2011/main" xmlns="" val="1"/>
               </a:ext>
             </a:extLst>
           </p:spPr>
@@ -3713,7 +3713,15 @@
           <a:p>
             <a:r>
               <a:rPr lang="en-US" dirty="0"/>
-              <a:t>Hobbies: guitars, karaoke,  camping etc.</a:t>
+              <a:t>Hobbies: guitars, </a:t>
+            </a:r>
+            <a:r>
+              <a:rPr lang="en-US"/>
+              <a:t>karaoke, </a:t>
+            </a:r>
+            <a:r>
+              <a:rPr lang="en-US" dirty="0"/>
+              <a:t>camping etc.</a:t>
             </a:r>
             <a:endParaRPr dirty="0"/>
           </a:p>
@@ -3834,7 +3842,7 @@
             <a:effectLst/>
             <a:extLst>
               <a:ext uri="{C572A759-6A51-4108-AA02-DFA0A04FC94B}">
-                <ma14:wrappingTextBoxFlag xmlns="" xmlns:ma14="http://schemas.microsoft.com/office/mac/drawingml/2011/main" val="1"/>
+                <ma14:wrappingTextBoxFlag xmlns:ma14="http://schemas.microsoft.com/office/mac/drawingml/2011/main" xmlns="" val="1"/>
               </a:ext>
             </a:extLst>
           </p:spPr>
@@ -3879,7 +3887,7 @@
           </a:ln>
           <a:extLst>
             <a:ext uri="{C572A759-6A51-4108-AA02-DFA0A04FC94B}">
-              <ma14:wrappingTextBoxFlag xmlns="" xmlns:ma14="http://schemas.microsoft.com/office/mac/drawingml/2011/main" val="1"/>
+              <ma14:wrappingTextBoxFlag xmlns:ma14="http://schemas.microsoft.com/office/mac/drawingml/2011/main" xmlns="" val="1"/>
             </a:ext>
           </a:extLst>
         </p:spPr>
@@ -4233,7 +4241,7 @@
             <a:effectLst/>
             <a:extLst>
               <a:ext uri="{C572A759-6A51-4108-AA02-DFA0A04FC94B}">
-                <ma14:wrappingTextBoxFlag xmlns="" xmlns:ma14="http://schemas.microsoft.com/office/mac/drawingml/2011/main" val="1"/>
+                <ma14:wrappingTextBoxFlag xmlns:ma14="http://schemas.microsoft.com/office/mac/drawingml/2011/main" xmlns="" val="1"/>
               </a:ext>
             </a:extLst>
           </p:spPr>
@@ -4278,7 +4286,7 @@
           </a:ln>
           <a:extLst>
             <a:ext uri="{C572A759-6A51-4108-AA02-DFA0A04FC94B}">
-              <ma14:wrappingTextBoxFlag xmlns="" xmlns:ma14="http://schemas.microsoft.com/office/mac/drawingml/2011/main" val="1"/>
+              <ma14:wrappingTextBoxFlag xmlns:ma14="http://schemas.microsoft.com/office/mac/drawingml/2011/main" xmlns="" val="1"/>
             </a:ext>
           </a:extLst>
         </p:spPr>
@@ -4418,7 +4426,7 @@
           </a:ln>
           <a:extLst>
             <a:ext uri="{C572A759-6A51-4108-AA02-DFA0A04FC94B}">
-              <ma14:wrappingTextBoxFlag xmlns="" xmlns:ma14="http://schemas.microsoft.com/office/mac/drawingml/2011/main" val="1"/>
+              <ma14:wrappingTextBoxFlag xmlns:ma14="http://schemas.microsoft.com/office/mac/drawingml/2011/main" xmlns="" val="1"/>
             </a:ext>
           </a:extLst>
         </p:spPr>
@@ -4571,7 +4579,7 @@
             <a:effectLst/>
             <a:extLst>
               <a:ext uri="{C572A759-6A51-4108-AA02-DFA0A04FC94B}">
-                <ma14:wrappingTextBoxFlag xmlns="" xmlns:ma14="http://schemas.microsoft.com/office/mac/drawingml/2011/main" val="1"/>
+                <ma14:wrappingTextBoxFlag xmlns:ma14="http://schemas.microsoft.com/office/mac/drawingml/2011/main" xmlns="" val="1"/>
               </a:ext>
             </a:extLst>
           </p:spPr>
@@ -4752,7 +4760,7 @@
           </a:ln>
           <a:extLst>
             <a:ext uri="{C572A759-6A51-4108-AA02-DFA0A04FC94B}">
-              <ma14:wrappingTextBoxFlag xmlns="" xmlns:ma14="http://schemas.microsoft.com/office/mac/drawingml/2011/main" val="1"/>
+              <ma14:wrappingTextBoxFlag xmlns:ma14="http://schemas.microsoft.com/office/mac/drawingml/2011/main" xmlns="" val="1"/>
             </a:ext>
           </a:extLst>
         </p:spPr>
@@ -4905,7 +4913,7 @@
             <a:effectLst/>
             <a:extLst>
               <a:ext uri="{C572A759-6A51-4108-AA02-DFA0A04FC94B}">
-                <ma14:wrappingTextBoxFlag xmlns="" xmlns:ma14="http://schemas.microsoft.com/office/mac/drawingml/2011/main" val="1"/>
+                <ma14:wrappingTextBoxFlag xmlns:ma14="http://schemas.microsoft.com/office/mac/drawingml/2011/main" xmlns="" val="1"/>
               </a:ext>
             </a:extLst>
           </p:spPr>
@@ -5057,7 +5065,7 @@
           </a:ln>
           <a:extLst>
             <a:ext uri="{C572A759-6A51-4108-AA02-DFA0A04FC94B}">
-              <ma14:wrappingTextBoxFlag xmlns="" xmlns:ma14="http://schemas.microsoft.com/office/mac/drawingml/2011/main" val="1"/>
+              <ma14:wrappingTextBoxFlag xmlns:ma14="http://schemas.microsoft.com/office/mac/drawingml/2011/main" xmlns="" val="1"/>
             </a:ext>
           </a:extLst>
         </p:spPr>
@@ -5210,7 +5218,7 @@
             <a:effectLst/>
             <a:extLst>
               <a:ext uri="{C572A759-6A51-4108-AA02-DFA0A04FC94B}">
-                <ma14:wrappingTextBoxFlag xmlns="" xmlns:ma14="http://schemas.microsoft.com/office/mac/drawingml/2011/main" val="1"/>
+                <ma14:wrappingTextBoxFlag xmlns:ma14="http://schemas.microsoft.com/office/mac/drawingml/2011/main" xmlns="" val="1"/>
               </a:ext>
             </a:extLst>
           </p:spPr>
@@ -5364,7 +5372,7 @@
           </a:ln>
           <a:extLst>
             <a:ext uri="{C572A759-6A51-4108-AA02-DFA0A04FC94B}">
-              <ma14:wrappingTextBoxFlag xmlns="" xmlns:ma14="http://schemas.microsoft.com/office/mac/drawingml/2011/main" val="1"/>
+              <ma14:wrappingTextBoxFlag xmlns:ma14="http://schemas.microsoft.com/office/mac/drawingml/2011/main" xmlns="" val="1"/>
             </a:ext>
           </a:extLst>
         </p:spPr>
@@ -5508,7 +5516,7 @@
             <a:effectLst/>
             <a:extLst>
               <a:ext uri="{C572A759-6A51-4108-AA02-DFA0A04FC94B}">
-                <ma14:wrappingTextBoxFlag xmlns="" xmlns:ma14="http://schemas.microsoft.com/office/mac/drawingml/2011/main" val="1"/>
+                <ma14:wrappingTextBoxFlag xmlns:ma14="http://schemas.microsoft.com/office/mac/drawingml/2011/main" xmlns="" val="1"/>
               </a:ext>
             </a:extLst>
           </p:spPr>
@@ -5553,7 +5561,7 @@
           </a:ln>
           <a:extLst>
             <a:ext uri="{C572A759-6A51-4108-AA02-DFA0A04FC94B}">
-              <ma14:wrappingTextBoxFlag xmlns="" xmlns:ma14="http://schemas.microsoft.com/office/mac/drawingml/2011/main" val="1"/>
+              <ma14:wrappingTextBoxFlag xmlns:ma14="http://schemas.microsoft.com/office/mac/drawingml/2011/main" xmlns="" val="1"/>
             </a:ext>
           </a:extLst>
         </p:spPr>
